--- a/profile_template_ppt_Sowparna.pptx
+++ b/profile_template_ppt_Sowparna.pptx
@@ -115,7 +115,7 @@
 <file path=ppt/revisionInfo.xml><?xml version="1.0" encoding="utf-8"?>
 <p1510:revInfo xmlns:a="http://schemas.openxmlformats.org/drawingml/2006/main" xmlns:r="http://schemas.openxmlformats.org/officeDocument/2006/relationships" xmlns:p1510="http://schemas.microsoft.com/office/powerpoint/2015/10/main">
   <p1510:revLst>
-    <p1510:client id="{63C0283B-50F2-4BAD-A3BE-0F65995CA517}" v="8" dt="2024-03-27T04:37:05.162"/>
+    <p1510:client id="{63C0283B-50F2-4BAD-A3BE-0F65995CA517}" v="9" dt="2024-03-27T04:44:56.063"/>
   </p1510:revLst>
 </p1510:revInfo>
 </file>
@@ -125,12 +125,12 @@
   <pc:docChgLst>
     <pc:chgData name="Shome, Sowparna (Contractor)" userId="e887b399-64b0-46d4-978b-2f9d60ee7278" providerId="ADAL" clId="{63C0283B-50F2-4BAD-A3BE-0F65995CA517}"/>
     <pc:docChg chg="custSel modSld">
-      <pc:chgData name="Shome, Sowparna (Contractor)" userId="e887b399-64b0-46d4-978b-2f9d60ee7278" providerId="ADAL" clId="{63C0283B-50F2-4BAD-A3BE-0F65995CA517}" dt="2024-03-27T04:39:29.255" v="374" actId="20577"/>
+      <pc:chgData name="Shome, Sowparna (Contractor)" userId="e887b399-64b0-46d4-978b-2f9d60ee7278" providerId="ADAL" clId="{63C0283B-50F2-4BAD-A3BE-0F65995CA517}" dt="2024-03-27T04:45:13.005" v="379" actId="207"/>
       <pc:docMkLst>
         <pc:docMk/>
       </pc:docMkLst>
       <pc:sldChg chg="addSp delSp modSp mod">
-        <pc:chgData name="Shome, Sowparna (Contractor)" userId="e887b399-64b0-46d4-978b-2f9d60ee7278" providerId="ADAL" clId="{63C0283B-50F2-4BAD-A3BE-0F65995CA517}" dt="2024-03-27T04:39:29.255" v="374" actId="20577"/>
+        <pc:chgData name="Shome, Sowparna (Contractor)" userId="e887b399-64b0-46d4-978b-2f9d60ee7278" providerId="ADAL" clId="{63C0283B-50F2-4BAD-A3BE-0F65995CA517}" dt="2024-03-27T04:45:13.005" v="379" actId="207"/>
         <pc:sldMkLst>
           <pc:docMk/>
           <pc:sldMk cId="3618859000" sldId="257"/>
@@ -400,7 +400,7 @@
           </ac:spMkLst>
         </pc:spChg>
         <pc:spChg chg="add mod">
-          <ac:chgData name="Shome, Sowparna (Contractor)" userId="e887b399-64b0-46d4-978b-2f9d60ee7278" providerId="ADAL" clId="{63C0283B-50F2-4BAD-A3BE-0F65995CA517}" dt="2024-03-27T04:37:05.162" v="355" actId="14100"/>
+          <ac:chgData name="Shome, Sowparna (Contractor)" userId="e887b399-64b0-46d4-978b-2f9d60ee7278" providerId="ADAL" clId="{63C0283B-50F2-4BAD-A3BE-0F65995CA517}" dt="2024-03-27T04:45:13.005" v="379" actId="207"/>
           <ac:spMkLst>
             <pc:docMk/>
             <pc:sldMk cId="3618859000" sldId="257"/>
@@ -8791,8 +8791,8 @@
         </p:nvSpPr>
         <p:spPr bwMode="auto">
           <a:xfrm>
-            <a:off x="4875877" y="1654270"/>
-            <a:ext cx="2259432" cy="707886"/>
+            <a:off x="4853824" y="1699706"/>
+            <a:ext cx="2259432" cy="492443"/>
           </a:xfrm>
           <a:prstGeom prst="rect">
             <a:avLst/>
@@ -8857,23 +8857,26 @@
               <a:tabLst/>
             </a:pPr>
             <a:r>
-              <a:rPr lang="en-US" altLang="en-US" sz="1100" dirty="0">
+              <a:rPr lang="en-US" altLang="en-US" sz="800" dirty="0">
                 <a:solidFill>
-                  <a:srgbClr val="000000"/>
+                  <a:srgbClr val="000048"/>
                 </a:solidFill>
-                <a:latin typeface="inherit"/>
+                <a:latin typeface="Arial" panose="020B0604020202020204" pitchFamily="34" charset="0"/>
                 <a:ea typeface="Times New Roman" panose="02020603050405020304" pitchFamily="18" charset="0"/>
+                <a:cs typeface="Arial" panose="020B0604020202020204" pitchFamily="34" charset="0"/>
               </a:rPr>
               <a:t>https://www.linkedin.com/in/sowparna-shome</a:t>
             </a:r>
-            <a:endParaRPr kumimoji="0" lang="en-US" altLang="en-US" sz="400" b="0" i="0" u="none" strike="noStrike" cap="none" normalizeH="0" baseline="0" dirty="0">
+            <a:endParaRPr kumimoji="0" lang="en-US" altLang="en-US" sz="800" b="0" i="0" u="none" strike="noStrike" cap="none" normalizeH="0" baseline="0" dirty="0">
               <a:ln>
                 <a:noFill/>
               </a:ln>
               <a:solidFill>
-                <a:schemeClr val="tx1"/>
+                <a:srgbClr val="000048"/>
               </a:solidFill>
               <a:effectLst/>
+              <a:latin typeface="Arial" panose="020B0604020202020204" pitchFamily="34" charset="0"/>
+              <a:cs typeface="Arial" panose="020B0604020202020204" pitchFamily="34" charset="0"/>
             </a:endParaRPr>
           </a:p>
           <a:p>
@@ -9206,6 +9209,108 @@
 </file>
 
 <file path=customXml/item1.xml><?xml version="1.0" encoding="utf-8"?>
+<?mso-contentType ?>
+<FormTemplates xmlns="http://schemas.microsoft.com/sharepoint/v3/contenttype/forms">
+  <Display>DocumentLibraryForm</Display>
+  <Edit>DocumentLibraryForm</Edit>
+  <New>DocumentLibraryForm</New>
+</FormTemplates>
+</file>
+
+<file path=customXml/item2.xml><?xml version="1.0" encoding="utf-8"?>
+<p:properties xmlns:p="http://schemas.microsoft.com/office/2006/metadata/properties" xmlns:xsi="http://www.w3.org/2001/XMLSchema-instance" xmlns:pc="http://schemas.microsoft.com/office/infopath/2007/PartnerControls">
+  <documentManagement>
+    <lcf76f155ced4ddcb4097134ff3c332f xmlns="f94ee4b3-5fe2-4016-9411-7f9100712379">
+      <Terms xmlns="http://schemas.microsoft.com/office/infopath/2007/PartnerControls"/>
+    </lcf76f155ced4ddcb4097134ff3c332f>
+    <TaxCatchAll xmlns="3c35e321-f73a-4dae-ae38-a0459de24735" xsi:nil="true"/>
+    <SharedWithUsers xmlns="3285df7e-1af7-43fd-8e1b-4d792e94327b">
+      <UserInfo>
+        <DisplayName>Rao, Ashwin (Contractor)</DisplayName>
+        <AccountId>1339</AccountId>
+        <AccountType/>
+      </UserInfo>
+      <UserInfo>
+        <DisplayName>Kapri, Rahul (Contractor)</DisplayName>
+        <AccountId>1340</AccountId>
+        <AccountType/>
+      </UserInfo>
+      <UserInfo>
+        <DisplayName>Dikshant, Shubham (Contractor)</DisplayName>
+        <AccountId>1341</AccountId>
+        <AccountType/>
+      </UserInfo>
+      <UserInfo>
+        <DisplayName>Deepikha I, Naga (Cognizant)</DisplayName>
+        <AccountId>273</AccountId>
+        <AccountType/>
+      </UserInfo>
+      <UserInfo>
+        <DisplayName>Murali, Kavya (Contractor)</DisplayName>
+        <AccountId>1380</AccountId>
+        <AccountType/>
+      </UserInfo>
+      <UserInfo>
+        <DisplayName>Tejasri, Mokide (Contractor)</DisplayName>
+        <AccountId>1405</AccountId>
+        <AccountType/>
+      </UserInfo>
+      <UserInfo>
+        <DisplayName>Sahu, Kshitish (Contractor)</DisplayName>
+        <AccountId>1466</AccountId>
+        <AccountType/>
+      </UserInfo>
+      <UserInfo>
+        <DisplayName>K S, Sabarinathan (Contractor)</DisplayName>
+        <AccountId>1467</AccountId>
+        <AccountType/>
+      </UserInfo>
+      <UserInfo>
+        <DisplayName>Saha, Debanjan (Contractor)</DisplayName>
+        <AccountId>1468</AccountId>
+        <AccountType/>
+      </UserInfo>
+      <UserInfo>
+        <DisplayName>L, Vinothkumar (Contractor)</DisplayName>
+        <AccountId>1469</AccountId>
+        <AccountType/>
+      </UserInfo>
+      <UserInfo>
+        <DisplayName>Manjunath, Nandikatti (Contractor)</DisplayName>
+        <AccountId>1470</AccountId>
+        <AccountType/>
+      </UserInfo>
+      <UserInfo>
+        <DisplayName>Polamarasetty, Amrutha (Contractor)</DisplayName>
+        <AccountId>1471</AccountId>
+        <AccountType/>
+      </UserInfo>
+      <UserInfo>
+        <DisplayName>K, Udaya Kumar (Contractor)</DisplayName>
+        <AccountId>1472</AccountId>
+        <AccountType/>
+      </UserInfo>
+      <UserInfo>
+        <DisplayName>Sravani, Laveti (Contractor)</DisplayName>
+        <AccountId>1473</AccountId>
+        <AccountType/>
+      </UserInfo>
+      <UserInfo>
+        <DisplayName>Jain, Sanyam (Contractor)</DisplayName>
+        <AccountId>1474</AccountId>
+        <AccountType/>
+      </UserInfo>
+      <UserInfo>
+        <DisplayName>Dutta Banik, Somnath (Contractor)</DisplayName>
+        <AccountId>1495</AccountId>
+        <AccountType/>
+      </UserInfo>
+    </SharedWithUsers>
+  </documentManagement>
+</p:properties>
+</file>
+
+<file path=customXml/item3.xml><?xml version="1.0" encoding="utf-8"?>
 <ct:contentTypeSchema xmlns:ct="http://schemas.microsoft.com/office/2006/metadata/contentType" xmlns:ma="http://schemas.microsoft.com/office/2006/metadata/properties/metaAttributes" ct:_="" ma:_="" ma:contentTypeName="Document" ma:contentTypeID="0x01010041E7C978BC23B84D8B74B0280E4B4563" ma:contentTypeVersion="16" ma:contentTypeDescription="Create a new document." ma:contentTypeScope="" ma:versionID="c3e93edbf0241e604fb38093c11b0699">
   <xsd:schema xmlns:xsd="http://www.w3.org/2001/XMLSchema" xmlns:xs="http://www.w3.org/2001/XMLSchema" xmlns:p="http://schemas.microsoft.com/office/2006/metadata/properties" xmlns:ns2="f94ee4b3-5fe2-4016-9411-7f9100712379" xmlns:ns3="3285df7e-1af7-43fd-8e1b-4d792e94327b" xmlns:ns4="3c35e321-f73a-4dae-ae38-a0459de24735" targetNamespace="http://schemas.microsoft.com/office/2006/metadata/properties" ma:root="true" ma:fieldsID="214de39acf557c96fe9c9bed7e656aad" ns2:_="" ns3:_="" ns4:_="">
     <xsd:import namespace="f94ee4b3-5fe2-4016-9411-7f9100712379"/>
@@ -9453,124 +9558,10 @@
 </ct:contentTypeSchema>
 </file>
 
-<file path=customXml/item2.xml><?xml version="1.0" encoding="utf-8"?>
-<p:properties xmlns:p="http://schemas.microsoft.com/office/2006/metadata/properties" xmlns:xsi="http://www.w3.org/2001/XMLSchema-instance" xmlns:pc="http://schemas.microsoft.com/office/infopath/2007/PartnerControls">
-  <documentManagement>
-    <lcf76f155ced4ddcb4097134ff3c332f xmlns="f94ee4b3-5fe2-4016-9411-7f9100712379">
-      <Terms xmlns="http://schemas.microsoft.com/office/infopath/2007/PartnerControls"/>
-    </lcf76f155ced4ddcb4097134ff3c332f>
-    <TaxCatchAll xmlns="3c35e321-f73a-4dae-ae38-a0459de24735" xsi:nil="true"/>
-    <SharedWithUsers xmlns="3285df7e-1af7-43fd-8e1b-4d792e94327b">
-      <UserInfo>
-        <DisplayName>Rao, Ashwin (Contractor)</DisplayName>
-        <AccountId>1339</AccountId>
-        <AccountType/>
-      </UserInfo>
-      <UserInfo>
-        <DisplayName>Kapri, Rahul (Contractor)</DisplayName>
-        <AccountId>1340</AccountId>
-        <AccountType/>
-      </UserInfo>
-      <UserInfo>
-        <DisplayName>Dikshant, Shubham (Contractor)</DisplayName>
-        <AccountId>1341</AccountId>
-        <AccountType/>
-      </UserInfo>
-      <UserInfo>
-        <DisplayName>Deepikha I, Naga (Cognizant)</DisplayName>
-        <AccountId>273</AccountId>
-        <AccountType/>
-      </UserInfo>
-      <UserInfo>
-        <DisplayName>Murali, Kavya (Contractor)</DisplayName>
-        <AccountId>1380</AccountId>
-        <AccountType/>
-      </UserInfo>
-      <UserInfo>
-        <DisplayName>Tejasri, Mokide (Contractor)</DisplayName>
-        <AccountId>1405</AccountId>
-        <AccountType/>
-      </UserInfo>
-      <UserInfo>
-        <DisplayName>Sahu, Kshitish (Contractor)</DisplayName>
-        <AccountId>1466</AccountId>
-        <AccountType/>
-      </UserInfo>
-      <UserInfo>
-        <DisplayName>K S, Sabarinathan (Contractor)</DisplayName>
-        <AccountId>1467</AccountId>
-        <AccountType/>
-      </UserInfo>
-      <UserInfo>
-        <DisplayName>Saha, Debanjan (Contractor)</DisplayName>
-        <AccountId>1468</AccountId>
-        <AccountType/>
-      </UserInfo>
-      <UserInfo>
-        <DisplayName>L, Vinothkumar (Contractor)</DisplayName>
-        <AccountId>1469</AccountId>
-        <AccountType/>
-      </UserInfo>
-      <UserInfo>
-        <DisplayName>Manjunath, Nandikatti (Contractor)</DisplayName>
-        <AccountId>1470</AccountId>
-        <AccountType/>
-      </UserInfo>
-      <UserInfo>
-        <DisplayName>Polamarasetty, Amrutha (Contractor)</DisplayName>
-        <AccountId>1471</AccountId>
-        <AccountType/>
-      </UserInfo>
-      <UserInfo>
-        <DisplayName>K, Udaya Kumar (Contractor)</DisplayName>
-        <AccountId>1472</AccountId>
-        <AccountType/>
-      </UserInfo>
-      <UserInfo>
-        <DisplayName>Sravani, Laveti (Contractor)</DisplayName>
-        <AccountId>1473</AccountId>
-        <AccountType/>
-      </UserInfo>
-      <UserInfo>
-        <DisplayName>Jain, Sanyam (Contractor)</DisplayName>
-        <AccountId>1474</AccountId>
-        <AccountType/>
-      </UserInfo>
-      <UserInfo>
-        <DisplayName>Dutta Banik, Somnath (Contractor)</DisplayName>
-        <AccountId>1495</AccountId>
-        <AccountType/>
-      </UserInfo>
-    </SharedWithUsers>
-  </documentManagement>
-</p:properties>
-</file>
-
-<file path=customXml/item3.xml><?xml version="1.0" encoding="utf-8"?>
-<?mso-contentType ?>
-<FormTemplates xmlns="http://schemas.microsoft.com/sharepoint/v3/contenttype/forms">
-  <Display>DocumentLibraryForm</Display>
-  <Edit>DocumentLibraryForm</Edit>
-  <New>DocumentLibraryForm</New>
-</FormTemplates>
-</file>
-
 <file path=customXml/itemProps1.xml><?xml version="1.0" encoding="utf-8"?>
-<ds:datastoreItem xmlns:ds="http://schemas.openxmlformats.org/officeDocument/2006/customXml" ds:itemID="{B74E0988-CC80-4D16-A5A5-C85371470732}">
+<ds:datastoreItem xmlns:ds="http://schemas.openxmlformats.org/officeDocument/2006/customXml" ds:itemID="{8E314C6E-9A04-4839-82DA-0E6CDF3800E7}">
   <ds:schemaRefs>
-    <ds:schemaRef ds:uri="http://schemas.microsoft.com/office/2006/metadata/contentType"/>
-    <ds:schemaRef ds:uri="http://schemas.microsoft.com/office/2006/metadata/properties/metaAttributes"/>
-    <ds:schemaRef ds:uri="http://www.w3.org/2001/XMLSchema"/>
-    <ds:schemaRef ds:uri="http://schemas.microsoft.com/office/2006/metadata/properties"/>
-    <ds:schemaRef ds:uri="f94ee4b3-5fe2-4016-9411-7f9100712379"/>
-    <ds:schemaRef ds:uri="3285df7e-1af7-43fd-8e1b-4d792e94327b"/>
-    <ds:schemaRef ds:uri="3c35e321-f73a-4dae-ae38-a0459de24735"/>
-    <ds:schemaRef ds:uri="http://schemas.microsoft.com/office/2006/documentManagement/types"/>
-    <ds:schemaRef ds:uri="http://schemas.microsoft.com/office/infopath/2007/PartnerControls"/>
-    <ds:schemaRef ds:uri="http://schemas.openxmlformats.org/package/2006/metadata/core-properties"/>
-    <ds:schemaRef ds:uri="http://purl.org/dc/elements/1.1/"/>
-    <ds:schemaRef ds:uri="http://purl.org/dc/terms/"/>
-    <ds:schemaRef ds:uri="http://schemas.microsoft.com/internal/obd"/>
+    <ds:schemaRef ds:uri="http://schemas.microsoft.com/sharepoint/v3/contenttype/forms"/>
   </ds:schemaRefs>
 </ds:datastoreItem>
 </file>
@@ -9594,9 +9585,21 @@
 </file>
 
 <file path=customXml/itemProps3.xml><?xml version="1.0" encoding="utf-8"?>
-<ds:datastoreItem xmlns:ds="http://schemas.openxmlformats.org/officeDocument/2006/customXml" ds:itemID="{8E314C6E-9A04-4839-82DA-0E6CDF3800E7}">
+<ds:datastoreItem xmlns:ds="http://schemas.openxmlformats.org/officeDocument/2006/customXml" ds:itemID="{B74E0988-CC80-4D16-A5A5-C85371470732}">
   <ds:schemaRefs>
-    <ds:schemaRef ds:uri="http://schemas.microsoft.com/sharepoint/v3/contenttype/forms"/>
+    <ds:schemaRef ds:uri="http://schemas.microsoft.com/office/2006/metadata/contentType"/>
+    <ds:schemaRef ds:uri="http://schemas.microsoft.com/office/2006/metadata/properties/metaAttributes"/>
+    <ds:schemaRef ds:uri="http://www.w3.org/2001/XMLSchema"/>
+    <ds:schemaRef ds:uri="http://schemas.microsoft.com/office/2006/metadata/properties"/>
+    <ds:schemaRef ds:uri="f94ee4b3-5fe2-4016-9411-7f9100712379"/>
+    <ds:schemaRef ds:uri="3285df7e-1af7-43fd-8e1b-4d792e94327b"/>
+    <ds:schemaRef ds:uri="3c35e321-f73a-4dae-ae38-a0459de24735"/>
+    <ds:schemaRef ds:uri="http://schemas.microsoft.com/office/2006/documentManagement/types"/>
+    <ds:schemaRef ds:uri="http://schemas.microsoft.com/office/infopath/2007/PartnerControls"/>
+    <ds:schemaRef ds:uri="http://schemas.openxmlformats.org/package/2006/metadata/core-properties"/>
+    <ds:schemaRef ds:uri="http://purl.org/dc/elements/1.1/"/>
+    <ds:schemaRef ds:uri="http://purl.org/dc/terms/"/>
+    <ds:schemaRef ds:uri="http://schemas.microsoft.com/internal/obd"/>
   </ds:schemaRefs>
 </ds:datastoreItem>
 </file>